--- a/04 Arrays/Outline/04 Arrays.pptx
+++ b/04 Arrays/Outline/04 Arrays.pptx
@@ -28,6 +28,8 @@
     <p:sldId id="276" r:id="rId22"/>
     <p:sldId id="277" r:id="rId23"/>
     <p:sldId id="278" r:id="rId24"/>
+    <p:sldId id="279" r:id="rId25"/>
+    <p:sldId id="280" r:id="rId26"/>
   </p:sldIdLst>
   <p:sldSz cx="12192000" cy="6858000"/>
   <p:notesSz cx="6858000" cy="9144000"/>
@@ -4140,6 +4142,42 @@
           <a:chExt cx="0" cy="0"/>
         </a:xfrm>
       </p:grpSpPr>
+      <p:pic>
+        <p:nvPicPr>
+          <p:cNvPr id="3" name="Picture 2">
+            <a:extLst>
+              <a:ext uri="{FF2B5EF4-FFF2-40B4-BE49-F238E27FC236}">
+                <a16:creationId xmlns:a16="http://schemas.microsoft.com/office/drawing/2014/main" id="{04731A2C-CA4A-4CC3-B18E-FD341D07CAB0}"/>
+              </a:ext>
+            </a:extLst>
+          </p:cNvPr>
+          <p:cNvPicPr>
+            <a:picLocks noChangeAspect="1"/>
+          </p:cNvPicPr>
+          <p:nvPr/>
+        </p:nvPicPr>
+        <p:blipFill>
+          <a:blip r:embed="rId2">
+            <a:extLst>
+              <a:ext uri="{28A0092B-C50C-407E-A947-70E740481C1C}">
+                <a14:useLocalDpi xmlns:a14="http://schemas.microsoft.com/office/drawing/2010/main" val="0"/>
+              </a:ext>
+            </a:extLst>
+          </a:blip>
+          <a:stretch>
+            <a:fillRect/>
+          </a:stretch>
+        </p:blipFill>
+        <p:spPr>
+          <a:xfrm>
+            <a:off x="0" y="1346250"/>
+            <a:ext cx="12192000" cy="3951307"/>
+          </a:xfrm>
+          <a:prstGeom prst="rect">
+            <a:avLst/>
+          </a:prstGeom>
+        </p:spPr>
+      </p:pic>
     </p:spTree>
     <p:extLst>
       <p:ext uri="{BB962C8B-B14F-4D97-AF65-F5344CB8AC3E}">
@@ -4170,6 +4208,42 @@
           <a:chExt cx="0" cy="0"/>
         </a:xfrm>
       </p:grpSpPr>
+      <p:pic>
+        <p:nvPicPr>
+          <p:cNvPr id="3" name="Picture 2">
+            <a:extLst>
+              <a:ext uri="{FF2B5EF4-FFF2-40B4-BE49-F238E27FC236}">
+                <a16:creationId xmlns:a16="http://schemas.microsoft.com/office/drawing/2014/main" id="{4F8DAF1B-4CA2-4896-ABB8-1D72B89866FF}"/>
+              </a:ext>
+            </a:extLst>
+          </p:cNvPr>
+          <p:cNvPicPr>
+            <a:picLocks noChangeAspect="1"/>
+          </p:cNvPicPr>
+          <p:nvPr/>
+        </p:nvPicPr>
+        <p:blipFill>
+          <a:blip r:embed="rId2">
+            <a:extLst>
+              <a:ext uri="{28A0092B-C50C-407E-A947-70E740481C1C}">
+                <a14:useLocalDpi xmlns:a14="http://schemas.microsoft.com/office/drawing/2010/main" val="0"/>
+              </a:ext>
+            </a:extLst>
+          </a:blip>
+          <a:stretch>
+            <a:fillRect/>
+          </a:stretch>
+        </p:blipFill>
+        <p:spPr>
+          <a:xfrm>
+            <a:off x="0" y="0"/>
+            <a:ext cx="12192000" cy="6858000"/>
+          </a:xfrm>
+          <a:prstGeom prst="rect">
+            <a:avLst/>
+          </a:prstGeom>
+        </p:spPr>
+      </p:pic>
     </p:spTree>
     <p:extLst>
       <p:ext uri="{BB962C8B-B14F-4D97-AF65-F5344CB8AC3E}">
@@ -4200,6 +4274,42 @@
           <a:chExt cx="0" cy="0"/>
         </a:xfrm>
       </p:grpSpPr>
+      <p:pic>
+        <p:nvPicPr>
+          <p:cNvPr id="3" name="Picture 2">
+            <a:extLst>
+              <a:ext uri="{FF2B5EF4-FFF2-40B4-BE49-F238E27FC236}">
+                <a16:creationId xmlns:a16="http://schemas.microsoft.com/office/drawing/2014/main" id="{152357C7-7F80-4B70-B53B-3101163B400B}"/>
+              </a:ext>
+            </a:extLst>
+          </p:cNvPr>
+          <p:cNvPicPr>
+            <a:picLocks noChangeAspect="1"/>
+          </p:cNvPicPr>
+          <p:nvPr/>
+        </p:nvPicPr>
+        <p:blipFill>
+          <a:blip r:embed="rId2">
+            <a:extLst>
+              <a:ext uri="{28A0092B-C50C-407E-A947-70E740481C1C}">
+                <a14:useLocalDpi xmlns:a14="http://schemas.microsoft.com/office/drawing/2010/main" val="0"/>
+              </a:ext>
+            </a:extLst>
+          </a:blip>
+          <a:stretch>
+            <a:fillRect/>
+          </a:stretch>
+        </p:blipFill>
+        <p:spPr>
+          <a:xfrm>
+            <a:off x="0" y="1"/>
+            <a:ext cx="12192000" cy="6858000"/>
+          </a:xfrm>
+          <a:prstGeom prst="rect">
+            <a:avLst/>
+          </a:prstGeom>
+        </p:spPr>
+      </p:pic>
     </p:spTree>
     <p:extLst>
       <p:ext uri="{BB962C8B-B14F-4D97-AF65-F5344CB8AC3E}">
@@ -4230,10 +4340,178 @@
           <a:chExt cx="0" cy="0"/>
         </a:xfrm>
       </p:grpSpPr>
+      <p:pic>
+        <p:nvPicPr>
+          <p:cNvPr id="3" name="Picture 2">
+            <a:extLst>
+              <a:ext uri="{FF2B5EF4-FFF2-40B4-BE49-F238E27FC236}">
+                <a16:creationId xmlns:a16="http://schemas.microsoft.com/office/drawing/2014/main" id="{25B9BE72-28E9-47E3-B864-707B27DAAC52}"/>
+              </a:ext>
+            </a:extLst>
+          </p:cNvPr>
+          <p:cNvPicPr>
+            <a:picLocks noChangeAspect="1"/>
+          </p:cNvPicPr>
+          <p:nvPr/>
+        </p:nvPicPr>
+        <p:blipFill>
+          <a:blip r:embed="rId2">
+            <a:extLst>
+              <a:ext uri="{28A0092B-C50C-407E-A947-70E740481C1C}">
+                <a14:useLocalDpi xmlns:a14="http://schemas.microsoft.com/office/drawing/2010/main" val="0"/>
+              </a:ext>
+            </a:extLst>
+          </a:blip>
+          <a:stretch>
+            <a:fillRect/>
+          </a:stretch>
+        </p:blipFill>
+        <p:spPr>
+          <a:xfrm>
+            <a:off x="0" y="0"/>
+            <a:ext cx="12192000" cy="6858000"/>
+          </a:xfrm>
+          <a:prstGeom prst="rect">
+            <a:avLst/>
+          </a:prstGeom>
+        </p:spPr>
+      </p:pic>
     </p:spTree>
     <p:extLst>
       <p:ext uri="{BB962C8B-B14F-4D97-AF65-F5344CB8AC3E}">
         <p14:creationId xmlns:p14="http://schemas.microsoft.com/office/powerpoint/2010/main" val="1338232306"/>
+      </p:ext>
+    </p:extLst>
+  </p:cSld>
+  <p:clrMapOvr>
+    <a:masterClrMapping/>
+  </p:clrMapOvr>
+</p:sld>
+</file>
+
+<file path=ppt/slides/slide24.xml><?xml version="1.0" encoding="utf-8"?>
+<p:sld xmlns:a="http://schemas.openxmlformats.org/drawingml/2006/main" xmlns:r="http://schemas.openxmlformats.org/officeDocument/2006/relationships" xmlns:p="http://schemas.openxmlformats.org/presentationml/2006/main">
+  <p:cSld>
+    <p:spTree>
+      <p:nvGrpSpPr>
+        <p:cNvPr id="1" name=""/>
+        <p:cNvGrpSpPr/>
+        <p:nvPr/>
+      </p:nvGrpSpPr>
+      <p:grpSpPr>
+        <a:xfrm>
+          <a:off x="0" y="0"/>
+          <a:ext cx="0" cy="0"/>
+          <a:chOff x="0" y="0"/>
+          <a:chExt cx="0" cy="0"/>
+        </a:xfrm>
+      </p:grpSpPr>
+      <p:pic>
+        <p:nvPicPr>
+          <p:cNvPr id="3" name="Picture 2">
+            <a:extLst>
+              <a:ext uri="{FF2B5EF4-FFF2-40B4-BE49-F238E27FC236}">
+                <a16:creationId xmlns:a16="http://schemas.microsoft.com/office/drawing/2014/main" id="{387EC870-1B98-4ABB-A256-8DBC8F9789F0}"/>
+              </a:ext>
+            </a:extLst>
+          </p:cNvPr>
+          <p:cNvPicPr>
+            <a:picLocks noChangeAspect="1"/>
+          </p:cNvPicPr>
+          <p:nvPr/>
+        </p:nvPicPr>
+        <p:blipFill>
+          <a:blip r:embed="rId2">
+            <a:extLst>
+              <a:ext uri="{28A0092B-C50C-407E-A947-70E740481C1C}">
+                <a14:useLocalDpi xmlns:a14="http://schemas.microsoft.com/office/drawing/2010/main" val="0"/>
+              </a:ext>
+            </a:extLst>
+          </a:blip>
+          <a:stretch>
+            <a:fillRect/>
+          </a:stretch>
+        </p:blipFill>
+        <p:spPr>
+          <a:xfrm>
+            <a:off x="0" y="0"/>
+            <a:ext cx="12192000" cy="6858000"/>
+          </a:xfrm>
+          <a:prstGeom prst="rect">
+            <a:avLst/>
+          </a:prstGeom>
+        </p:spPr>
+      </p:pic>
+    </p:spTree>
+    <p:extLst>
+      <p:ext uri="{BB962C8B-B14F-4D97-AF65-F5344CB8AC3E}">
+        <p14:creationId xmlns:p14="http://schemas.microsoft.com/office/powerpoint/2010/main" val="2523461418"/>
+      </p:ext>
+    </p:extLst>
+  </p:cSld>
+  <p:clrMapOvr>
+    <a:masterClrMapping/>
+  </p:clrMapOvr>
+</p:sld>
+</file>
+
+<file path=ppt/slides/slide25.xml><?xml version="1.0" encoding="utf-8"?>
+<p:sld xmlns:a="http://schemas.openxmlformats.org/drawingml/2006/main" xmlns:r="http://schemas.openxmlformats.org/officeDocument/2006/relationships" xmlns:p="http://schemas.openxmlformats.org/presentationml/2006/main">
+  <p:cSld>
+    <p:spTree>
+      <p:nvGrpSpPr>
+        <p:cNvPr id="1" name=""/>
+        <p:cNvGrpSpPr/>
+        <p:nvPr/>
+      </p:nvGrpSpPr>
+      <p:grpSpPr>
+        <a:xfrm>
+          <a:off x="0" y="0"/>
+          <a:ext cx="0" cy="0"/>
+          <a:chOff x="0" y="0"/>
+          <a:chExt cx="0" cy="0"/>
+        </a:xfrm>
+      </p:grpSpPr>
+      <p:pic>
+        <p:nvPicPr>
+          <p:cNvPr id="3" name="Picture 2">
+            <a:extLst>
+              <a:ext uri="{FF2B5EF4-FFF2-40B4-BE49-F238E27FC236}">
+                <a16:creationId xmlns:a16="http://schemas.microsoft.com/office/drawing/2014/main" id="{3D87035F-BAB3-4886-9B61-573EC2F67F94}"/>
+              </a:ext>
+            </a:extLst>
+          </p:cNvPr>
+          <p:cNvPicPr>
+            <a:picLocks noChangeAspect="1"/>
+          </p:cNvPicPr>
+          <p:nvPr/>
+        </p:nvPicPr>
+        <p:blipFill>
+          <a:blip r:embed="rId2">
+            <a:extLst>
+              <a:ext uri="{28A0092B-C50C-407E-A947-70E740481C1C}">
+                <a14:useLocalDpi xmlns:a14="http://schemas.microsoft.com/office/drawing/2010/main" val="0"/>
+              </a:ext>
+            </a:extLst>
+          </a:blip>
+          <a:stretch>
+            <a:fillRect/>
+          </a:stretch>
+        </p:blipFill>
+        <p:spPr>
+          <a:xfrm>
+            <a:off x="0" y="0"/>
+            <a:ext cx="12192000" cy="6858000"/>
+          </a:xfrm>
+          <a:prstGeom prst="rect">
+            <a:avLst/>
+          </a:prstGeom>
+        </p:spPr>
+      </p:pic>
+    </p:spTree>
+    <p:extLst>
+      <p:ext uri="{BB962C8B-B14F-4D97-AF65-F5344CB8AC3E}">
+        <p14:creationId xmlns:p14="http://schemas.microsoft.com/office/powerpoint/2010/main" val="813383443"/>
       </p:ext>
     </p:extLst>
   </p:cSld>
